--- a/ImageProcessingPresentation.pptx
+++ b/ImageProcessingPresentation.pptx
@@ -12,6 +12,12 @@
     <p:sldId id="260" r:id="rId6"/>
     <p:sldId id="261" r:id="rId7"/>
     <p:sldId id="262" r:id="rId8"/>
+    <p:sldId id="263" r:id="rId9"/>
+    <p:sldId id="264" r:id="rId10"/>
+    <p:sldId id="265" r:id="rId11"/>
+    <p:sldId id="266" r:id="rId12"/>
+    <p:sldId id="267" r:id="rId13"/>
+    <p:sldId id="268" r:id="rId14"/>
   </p:sldIdLst>
   <p:sldSz cx="12192000" cy="6858000"/>
   <p:notesSz cx="6858000" cy="9144000"/>
@@ -110,6 +116,11 @@
       </a:defRPr>
     </a:lvl9pPr>
   </p:defaultTextStyle>
+  <p:extLst>
+    <p:ext uri="{EFAFB233-063F-42B5-8137-9DF3F51BA10A}">
+      <p15:sldGuideLst xmlns:p15="http://schemas.microsoft.com/office/powerpoint/2012/main"/>
+    </p:ext>
+  </p:extLst>
 </p:presentation>
 </file>
 
@@ -7857,6 +7868,278 @@
 </p:sld>
 </file>
 
+<file path=ppt/slides/slide10.xml><?xml version="1.0" encoding="utf-8"?>
+<p:sld xmlns:a="http://schemas.openxmlformats.org/drawingml/2006/main" xmlns:r="http://schemas.openxmlformats.org/officeDocument/2006/relationships" xmlns:p="http://schemas.openxmlformats.org/presentationml/2006/main">
+  <p:cSld>
+    <p:spTree>
+      <p:nvGrpSpPr>
+        <p:cNvPr id="1" name=""/>
+        <p:cNvGrpSpPr/>
+        <p:nvPr/>
+      </p:nvGrpSpPr>
+      <p:grpSpPr>
+        <a:xfrm>
+          <a:off x="0" y="0"/>
+          <a:ext cx="0" cy="0"/>
+          <a:chOff x="0" y="0"/>
+          <a:chExt cx="0" cy="0"/>
+        </a:xfrm>
+      </p:grpSpPr>
+      <p:sp>
+        <p:nvSpPr>
+          <p:cNvPr id="2" name="Title 1"/>
+          <p:cNvSpPr>
+            <a:spLocks noGrp="1"/>
+          </p:cNvSpPr>
+          <p:nvPr>
+            <p:ph type="title"/>
+          </p:nvPr>
+        </p:nvSpPr>
+        <p:spPr/>
+        <p:txBody>
+          <a:bodyPr/>
+          <a:lstStyle/>
+          <a:p>
+            <a:endParaRPr lang="en-GB"/>
+          </a:p>
+        </p:txBody>
+      </p:sp>
+      <p:sp>
+        <p:nvSpPr>
+          <p:cNvPr id="3" name="Content Placeholder 2"/>
+          <p:cNvSpPr>
+            <a:spLocks noGrp="1"/>
+          </p:cNvSpPr>
+          <p:nvPr>
+            <p:ph idx="1"/>
+          </p:nvPr>
+        </p:nvSpPr>
+        <p:spPr/>
+        <p:txBody>
+          <a:bodyPr/>
+          <a:lstStyle/>
+          <a:p>
+            <a:endParaRPr lang="en-GB"/>
+          </a:p>
+        </p:txBody>
+      </p:sp>
+    </p:spTree>
+    <p:extLst>
+      <p:ext uri="{BB962C8B-B14F-4D97-AF65-F5344CB8AC3E}">
+        <p14:creationId xmlns:p14="http://schemas.microsoft.com/office/powerpoint/2010/main" val="1048815288"/>
+      </p:ext>
+    </p:extLst>
+  </p:cSld>
+  <p:clrMapOvr>
+    <a:masterClrMapping/>
+  </p:clrMapOvr>
+</p:sld>
+</file>
+
+<file path=ppt/slides/slide11.xml><?xml version="1.0" encoding="utf-8"?>
+<p:sld xmlns:a="http://schemas.openxmlformats.org/drawingml/2006/main" xmlns:r="http://schemas.openxmlformats.org/officeDocument/2006/relationships" xmlns:p="http://schemas.openxmlformats.org/presentationml/2006/main">
+  <p:cSld>
+    <p:spTree>
+      <p:nvGrpSpPr>
+        <p:cNvPr id="1" name=""/>
+        <p:cNvGrpSpPr/>
+        <p:nvPr/>
+      </p:nvGrpSpPr>
+      <p:grpSpPr>
+        <a:xfrm>
+          <a:off x="0" y="0"/>
+          <a:ext cx="0" cy="0"/>
+          <a:chOff x="0" y="0"/>
+          <a:chExt cx="0" cy="0"/>
+        </a:xfrm>
+      </p:grpSpPr>
+      <p:sp>
+        <p:nvSpPr>
+          <p:cNvPr id="2" name="Title 1"/>
+          <p:cNvSpPr>
+            <a:spLocks noGrp="1"/>
+          </p:cNvSpPr>
+          <p:nvPr>
+            <p:ph type="title"/>
+          </p:nvPr>
+        </p:nvSpPr>
+        <p:spPr/>
+        <p:txBody>
+          <a:bodyPr/>
+          <a:lstStyle/>
+          <a:p>
+            <a:endParaRPr lang="en-GB"/>
+          </a:p>
+        </p:txBody>
+      </p:sp>
+      <p:sp>
+        <p:nvSpPr>
+          <p:cNvPr id="3" name="Content Placeholder 2"/>
+          <p:cNvSpPr>
+            <a:spLocks noGrp="1"/>
+          </p:cNvSpPr>
+          <p:nvPr>
+            <p:ph idx="1"/>
+          </p:nvPr>
+        </p:nvSpPr>
+        <p:spPr/>
+        <p:txBody>
+          <a:bodyPr/>
+          <a:lstStyle/>
+          <a:p>
+            <a:endParaRPr lang="en-GB"/>
+          </a:p>
+        </p:txBody>
+      </p:sp>
+    </p:spTree>
+    <p:extLst>
+      <p:ext uri="{BB962C8B-B14F-4D97-AF65-F5344CB8AC3E}">
+        <p14:creationId xmlns:p14="http://schemas.microsoft.com/office/powerpoint/2010/main" val="1788246281"/>
+      </p:ext>
+    </p:extLst>
+  </p:cSld>
+  <p:clrMapOvr>
+    <a:masterClrMapping/>
+  </p:clrMapOvr>
+</p:sld>
+</file>
+
+<file path=ppt/slides/slide12.xml><?xml version="1.0" encoding="utf-8"?>
+<p:sld xmlns:a="http://schemas.openxmlformats.org/drawingml/2006/main" xmlns:r="http://schemas.openxmlformats.org/officeDocument/2006/relationships" xmlns:p="http://schemas.openxmlformats.org/presentationml/2006/main">
+  <p:cSld>
+    <p:spTree>
+      <p:nvGrpSpPr>
+        <p:cNvPr id="1" name=""/>
+        <p:cNvGrpSpPr/>
+        <p:nvPr/>
+      </p:nvGrpSpPr>
+      <p:grpSpPr>
+        <a:xfrm>
+          <a:off x="0" y="0"/>
+          <a:ext cx="0" cy="0"/>
+          <a:chOff x="0" y="0"/>
+          <a:chExt cx="0" cy="0"/>
+        </a:xfrm>
+      </p:grpSpPr>
+      <p:sp>
+        <p:nvSpPr>
+          <p:cNvPr id="2" name="Title 1"/>
+          <p:cNvSpPr>
+            <a:spLocks noGrp="1"/>
+          </p:cNvSpPr>
+          <p:nvPr>
+            <p:ph type="title"/>
+          </p:nvPr>
+        </p:nvSpPr>
+        <p:spPr/>
+        <p:txBody>
+          <a:bodyPr/>
+          <a:lstStyle/>
+          <a:p>
+            <a:endParaRPr lang="en-GB"/>
+          </a:p>
+        </p:txBody>
+      </p:sp>
+      <p:sp>
+        <p:nvSpPr>
+          <p:cNvPr id="3" name="Content Placeholder 2"/>
+          <p:cNvSpPr>
+            <a:spLocks noGrp="1"/>
+          </p:cNvSpPr>
+          <p:nvPr>
+            <p:ph idx="1"/>
+          </p:nvPr>
+        </p:nvSpPr>
+        <p:spPr/>
+        <p:txBody>
+          <a:bodyPr/>
+          <a:lstStyle/>
+          <a:p>
+            <a:endParaRPr lang="en-GB"/>
+          </a:p>
+        </p:txBody>
+      </p:sp>
+    </p:spTree>
+    <p:extLst>
+      <p:ext uri="{BB962C8B-B14F-4D97-AF65-F5344CB8AC3E}">
+        <p14:creationId xmlns:p14="http://schemas.microsoft.com/office/powerpoint/2010/main" val="3740956864"/>
+      </p:ext>
+    </p:extLst>
+  </p:cSld>
+  <p:clrMapOvr>
+    <a:masterClrMapping/>
+  </p:clrMapOvr>
+</p:sld>
+</file>
+
+<file path=ppt/slides/slide13.xml><?xml version="1.0" encoding="utf-8"?>
+<p:sld xmlns:a="http://schemas.openxmlformats.org/drawingml/2006/main" xmlns:r="http://schemas.openxmlformats.org/officeDocument/2006/relationships" xmlns:p="http://schemas.openxmlformats.org/presentationml/2006/main">
+  <p:cSld>
+    <p:spTree>
+      <p:nvGrpSpPr>
+        <p:cNvPr id="1" name=""/>
+        <p:cNvGrpSpPr/>
+        <p:nvPr/>
+      </p:nvGrpSpPr>
+      <p:grpSpPr>
+        <a:xfrm>
+          <a:off x="0" y="0"/>
+          <a:ext cx="0" cy="0"/>
+          <a:chOff x="0" y="0"/>
+          <a:chExt cx="0" cy="0"/>
+        </a:xfrm>
+      </p:grpSpPr>
+      <p:sp>
+        <p:nvSpPr>
+          <p:cNvPr id="2" name="Title 1"/>
+          <p:cNvSpPr>
+            <a:spLocks noGrp="1"/>
+          </p:cNvSpPr>
+          <p:nvPr>
+            <p:ph type="title"/>
+          </p:nvPr>
+        </p:nvSpPr>
+        <p:spPr/>
+        <p:txBody>
+          <a:bodyPr/>
+          <a:lstStyle/>
+          <a:p>
+            <a:endParaRPr lang="en-GB"/>
+          </a:p>
+        </p:txBody>
+      </p:sp>
+      <p:sp>
+        <p:nvSpPr>
+          <p:cNvPr id="3" name="Content Placeholder 2"/>
+          <p:cNvSpPr>
+            <a:spLocks noGrp="1"/>
+          </p:cNvSpPr>
+          <p:nvPr>
+            <p:ph idx="1"/>
+          </p:nvPr>
+        </p:nvSpPr>
+        <p:spPr/>
+        <p:txBody>
+          <a:bodyPr/>
+          <a:lstStyle/>
+          <a:p>
+            <a:endParaRPr lang="en-GB"/>
+          </a:p>
+        </p:txBody>
+      </p:sp>
+    </p:spTree>
+    <p:extLst>
+      <p:ext uri="{BB962C8B-B14F-4D97-AF65-F5344CB8AC3E}">
+        <p14:creationId xmlns:p14="http://schemas.microsoft.com/office/powerpoint/2010/main" val="1437415631"/>
+      </p:ext>
+    </p:extLst>
+  </p:cSld>
+  <p:clrMapOvr>
+    <a:masterClrMapping/>
+  </p:clrMapOvr>
+</p:sld>
+</file>
+
 <file path=ppt/slides/slide2.xml><?xml version="1.0" encoding="utf-8"?>
 <p:sld xmlns:a="http://schemas.openxmlformats.org/drawingml/2006/main" xmlns:r="http://schemas.openxmlformats.org/officeDocument/2006/relationships" xmlns:p="http://schemas.openxmlformats.org/presentationml/2006/main">
   <p:cSld>
@@ -8638,8 +8921,8 @@
           </a:p>
         </p:txBody>
       </p:sp>
-      <mc:AlternateContent xmlns:mc="http://schemas.openxmlformats.org/markup-compatibility/2006">
-        <mc:Choice xmlns:a14="http://schemas.microsoft.com/office/drawing/2010/main" Requires="a14">
+      <mc:AlternateContent xmlns:mc="http://schemas.openxmlformats.org/markup-compatibility/2006" xmlns:a14="http://schemas.microsoft.com/office/drawing/2010/main">
+        <mc:Choice Requires="a14">
           <p:sp>
             <p:nvSpPr>
               <p:cNvPr id="3" name="Content Placeholder 2"/>
@@ -9428,28 +9711,7 @@
                     <a:latin typeface="Arial" panose="020B0604020202020204" pitchFamily="34" charset="0"/>
                     <a:cs typeface="Arial" panose="020B0604020202020204" pitchFamily="34" charset="0"/>
                   </a:rPr>
-                  <a:t>channel </a:t>
-                </a:r>
-                <a:r>
-                  <a:rPr lang="en-GB" sz="2200" dirty="0">
-                    <a:latin typeface="Arial" panose="020B0604020202020204" pitchFamily="34" charset="0"/>
-                    <a:cs typeface="Arial" panose="020B0604020202020204" pitchFamily="34" charset="0"/>
-                  </a:rPr>
-                  <a:t>can </a:t>
-                </a:r>
-                <a:r>
-                  <a:rPr lang="en-GB" sz="2200" dirty="0">
-                    <a:latin typeface="Arial" panose="020B0604020202020204" pitchFamily="34" charset="0"/>
-                    <a:cs typeface="Arial" panose="020B0604020202020204" pitchFamily="34" charset="0"/>
-                  </a:rPr>
-                  <a:t>be defined as </a:t>
-                </a:r>
-                <a:r>
-                  <a:rPr lang="en-GB" sz="2200" dirty="0">
-                    <a:latin typeface="Arial" panose="020B0604020202020204" pitchFamily="34" charset="0"/>
-                    <a:cs typeface="Arial" panose="020B0604020202020204" pitchFamily="34" charset="0"/>
-                  </a:rPr>
-                  <a:t>:  </a:t>
+                  <a:t>channel can be defined as :  </a:t>
                 </a:r>
                 <a14:m>
                   <m:oMath xmlns:m="http://schemas.openxmlformats.org/officeDocument/2006/math">
@@ -10125,10 +10387,6 @@
                   </a:rPr>
                   <a:t>: patch centred in x</a:t>
                 </a:r>
-                <a:endParaRPr lang="en-GB" sz="2200" dirty="0">
-                  <a:latin typeface="Arial" panose="020B0604020202020204" pitchFamily="34" charset="0"/>
-                  <a:cs typeface="Arial" panose="020B0604020202020204" pitchFamily="34" charset="0"/>
-                </a:endParaRPr>
               </a:p>
               <a:p>
                 <a:pPr marL="0" indent="0">
@@ -10142,7 +10400,7 @@
             </p:txBody>
           </p:sp>
         </mc:Choice>
-        <mc:Fallback>
+        <mc:Fallback xmlns="">
           <p:sp>
             <p:nvSpPr>
               <p:cNvPr id="3" name="Content Placeholder 2"/>
@@ -10337,6 +10595,602 @@
     <p:extLst>
       <p:ext uri="{BB962C8B-B14F-4D97-AF65-F5344CB8AC3E}">
         <p14:creationId xmlns:p14="http://schemas.microsoft.com/office/powerpoint/2010/main" val="2396643027"/>
+      </p:ext>
+    </p:extLst>
+  </p:cSld>
+  <p:clrMapOvr>
+    <a:masterClrMapping/>
+  </p:clrMapOvr>
+</p:sld>
+</file>
+
+<file path=ppt/slides/slide8.xml><?xml version="1.0" encoding="utf-8"?>
+<p:sld xmlns:a="http://schemas.openxmlformats.org/drawingml/2006/main" xmlns:r="http://schemas.openxmlformats.org/officeDocument/2006/relationships" xmlns:p="http://schemas.openxmlformats.org/presentationml/2006/main">
+  <p:cSld>
+    <p:spTree>
+      <p:nvGrpSpPr>
+        <p:cNvPr id="1" name=""/>
+        <p:cNvGrpSpPr/>
+        <p:nvPr/>
+      </p:nvGrpSpPr>
+      <p:grpSpPr>
+        <a:xfrm>
+          <a:off x="0" y="0"/>
+          <a:ext cx="0" cy="0"/>
+          <a:chOff x="0" y="0"/>
+          <a:chExt cx="0" cy="0"/>
+        </a:xfrm>
+      </p:grpSpPr>
+      <p:sp>
+        <p:nvSpPr>
+          <p:cNvPr id="2" name="Title 1"/>
+          <p:cNvSpPr>
+            <a:spLocks noGrp="1"/>
+          </p:cNvSpPr>
+          <p:nvPr>
+            <p:ph type="title"/>
+          </p:nvPr>
+        </p:nvSpPr>
+        <p:spPr/>
+        <p:txBody>
+          <a:bodyPr/>
+          <a:lstStyle/>
+          <a:p>
+            <a:r>
+              <a:rPr lang="en-US" dirty="0" smtClean="0">
+                <a:latin typeface="Arial Black" panose="020B0A04020102020204" pitchFamily="34" charset="0"/>
+              </a:rPr>
+              <a:t>Approach Overview</a:t>
+            </a:r>
+            <a:endParaRPr lang="en-GB" dirty="0">
+              <a:latin typeface="Arial Black" panose="020B0A04020102020204" pitchFamily="34" charset="0"/>
+            </a:endParaRPr>
+          </a:p>
+        </p:txBody>
+      </p:sp>
+      <p:sp>
+        <p:nvSpPr>
+          <p:cNvPr id="3" name="Content Placeholder 2"/>
+          <p:cNvSpPr>
+            <a:spLocks noGrp="1"/>
+          </p:cNvSpPr>
+          <p:nvPr>
+            <p:ph idx="1"/>
+          </p:nvPr>
+        </p:nvSpPr>
+        <p:spPr/>
+        <p:txBody>
+          <a:bodyPr>
+            <a:normAutofit/>
+          </a:bodyPr>
+          <a:lstStyle/>
+          <a:p>
+            <a:pPr marL="0" indent="0">
+              <a:buNone/>
+            </a:pPr>
+            <a:r>
+              <a:rPr lang="en-GB" sz="2200" dirty="0"/>
+              <a:t>Given an input </a:t>
+            </a:r>
+            <a:r>
+              <a:rPr lang="en-GB" sz="2200" dirty="0" smtClean="0"/>
+              <a:t>night time </a:t>
+            </a:r>
+            <a:r>
+              <a:rPr lang="en-GB" sz="2200" dirty="0"/>
+              <a:t>low illumination image I, its image exposure model can be represented as </a:t>
+            </a:r>
+            <a:r>
+              <a:rPr lang="en-GB" sz="2200" dirty="0" smtClean="0"/>
+              <a:t>:</a:t>
+            </a:r>
+            <a:endParaRPr lang="en-GB" sz="2200" i="1" dirty="0">
+              <a:latin typeface="Cambria Math" panose="02040503050406030204" pitchFamily="18" charset="0"/>
+              <a:ea typeface="Cambria Math" panose="02040503050406030204" pitchFamily="18" charset="0"/>
+              <a:cs typeface="Arial" panose="020B0604020202020204" pitchFamily="34" charset="0"/>
+            </a:endParaRPr>
+          </a:p>
+          <a:p>
+            <a:pPr marL="0" indent="0">
+              <a:buNone/>
+            </a:pPr>
+            <a:r>
+              <a:rPr lang="en-GB" sz="2200" i="1" dirty="0" smtClean="0">
+                <a:solidFill>
+                  <a:schemeClr val="bg1"/>
+                </a:solidFill>
+                <a:latin typeface="Cambria Math" panose="02040503050406030204" pitchFamily="18" charset="0"/>
+                <a:ea typeface="Cambria Math" panose="02040503050406030204" pitchFamily="18" charset="0"/>
+                <a:cs typeface="Arial" panose="020B0604020202020204" pitchFamily="34" charset="0"/>
+              </a:rPr>
+              <a:t>I(x</a:t>
+            </a:r>
+            <a:r>
+              <a:rPr lang="en-GB" sz="2200" dirty="0">
+                <a:solidFill>
+                  <a:schemeClr val="bg1"/>
+                </a:solidFill>
+                <a:latin typeface="Cambria Math" panose="02040503050406030204" pitchFamily="18" charset="0"/>
+                <a:ea typeface="Cambria Math" panose="02040503050406030204" pitchFamily="18" charset="0"/>
+                <a:cs typeface="Arial" panose="020B0604020202020204" pitchFamily="34" charset="0"/>
+              </a:rPr>
+              <a:t>)=</a:t>
+            </a:r>
+            <a:r>
+              <a:rPr lang="en-GB" sz="2200" i="1" dirty="0">
+                <a:solidFill>
+                  <a:schemeClr val="bg1"/>
+                </a:solidFill>
+                <a:latin typeface="Cambria Math" panose="02040503050406030204" pitchFamily="18" charset="0"/>
+                <a:ea typeface="Cambria Math" panose="02040503050406030204" pitchFamily="18" charset="0"/>
+                <a:cs typeface="Arial" panose="020B0604020202020204" pitchFamily="34" charset="0"/>
+              </a:rPr>
+              <a:t>J</a:t>
+            </a:r>
+            <a:r>
+              <a:rPr lang="en-GB" sz="2200" dirty="0">
+                <a:solidFill>
+                  <a:schemeClr val="bg1"/>
+                </a:solidFill>
+                <a:latin typeface="Cambria Math" panose="02040503050406030204" pitchFamily="18" charset="0"/>
+                <a:ea typeface="Cambria Math" panose="02040503050406030204" pitchFamily="18" charset="0"/>
+                <a:cs typeface="Arial" panose="020B0604020202020204" pitchFamily="34" charset="0"/>
+              </a:rPr>
+              <a:t>(</a:t>
+            </a:r>
+            <a:r>
+              <a:rPr lang="en-GB" sz="2200" i="1" dirty="0">
+                <a:solidFill>
+                  <a:schemeClr val="bg1"/>
+                </a:solidFill>
+                <a:latin typeface="Cambria Math" panose="02040503050406030204" pitchFamily="18" charset="0"/>
+                <a:ea typeface="Cambria Math" panose="02040503050406030204" pitchFamily="18" charset="0"/>
+                <a:cs typeface="Arial" panose="020B0604020202020204" pitchFamily="34" charset="0"/>
+              </a:rPr>
+              <a:t>x</a:t>
+            </a:r>
+            <a:r>
+              <a:rPr lang="en-GB" sz="2200" dirty="0">
+                <a:solidFill>
+                  <a:schemeClr val="bg1"/>
+                </a:solidFill>
+                <a:latin typeface="Cambria Math" panose="02040503050406030204" pitchFamily="18" charset="0"/>
+                <a:ea typeface="Cambria Math" panose="02040503050406030204" pitchFamily="18" charset="0"/>
+                <a:cs typeface="Arial" panose="020B0604020202020204" pitchFamily="34" charset="0"/>
+              </a:rPr>
+              <a:t>)</a:t>
+            </a:r>
+            <a:r>
+              <a:rPr lang="en-GB" sz="2200" i="1" dirty="0">
+                <a:solidFill>
+                  <a:schemeClr val="bg1"/>
+                </a:solidFill>
+                <a:latin typeface="Cambria Math" panose="02040503050406030204" pitchFamily="18" charset="0"/>
+                <a:ea typeface="Cambria Math" panose="02040503050406030204" pitchFamily="18" charset="0"/>
+                <a:cs typeface="Arial" panose="020B0604020202020204" pitchFamily="34" charset="0"/>
+              </a:rPr>
+              <a:t>t</a:t>
+            </a:r>
+            <a:r>
+              <a:rPr lang="en-GB" sz="2200" dirty="0">
+                <a:solidFill>
+                  <a:schemeClr val="bg1"/>
+                </a:solidFill>
+                <a:latin typeface="Cambria Math" panose="02040503050406030204" pitchFamily="18" charset="0"/>
+                <a:ea typeface="Cambria Math" panose="02040503050406030204" pitchFamily="18" charset="0"/>
+                <a:cs typeface="Arial" panose="020B0604020202020204" pitchFamily="34" charset="0"/>
+              </a:rPr>
+              <a:t>(</a:t>
+            </a:r>
+            <a:r>
+              <a:rPr lang="en-GB" sz="2200" i="1" dirty="0">
+                <a:solidFill>
+                  <a:schemeClr val="bg1"/>
+                </a:solidFill>
+                <a:latin typeface="Cambria Math" panose="02040503050406030204" pitchFamily="18" charset="0"/>
+                <a:ea typeface="Cambria Math" panose="02040503050406030204" pitchFamily="18" charset="0"/>
+                <a:cs typeface="Arial" panose="020B0604020202020204" pitchFamily="34" charset="0"/>
+              </a:rPr>
+              <a:t>x</a:t>
+            </a:r>
+            <a:r>
+              <a:rPr lang="en-GB" sz="2200" dirty="0">
+                <a:solidFill>
+                  <a:schemeClr val="bg1"/>
+                </a:solidFill>
+                <a:latin typeface="Cambria Math" panose="02040503050406030204" pitchFamily="18" charset="0"/>
+                <a:ea typeface="Cambria Math" panose="02040503050406030204" pitchFamily="18" charset="0"/>
+                <a:cs typeface="Arial" panose="020B0604020202020204" pitchFamily="34" charset="0"/>
+              </a:rPr>
+              <a:t>)+</a:t>
+            </a:r>
+            <a:r>
+              <a:rPr lang="en-GB" sz="2200" i="1" dirty="0" smtClean="0">
+                <a:solidFill>
+                  <a:schemeClr val="bg1"/>
+                </a:solidFill>
+                <a:latin typeface="Cambria Math" panose="02040503050406030204" pitchFamily="18" charset="0"/>
+                <a:ea typeface="Cambria Math" panose="02040503050406030204" pitchFamily="18" charset="0"/>
+                <a:cs typeface="Arial" panose="020B0604020202020204" pitchFamily="34" charset="0"/>
+              </a:rPr>
+              <a:t>A</a:t>
+            </a:r>
+            <a:r>
+              <a:rPr lang="en-GB" sz="2200" dirty="0" smtClean="0">
+                <a:solidFill>
+                  <a:schemeClr val="bg1"/>
+                </a:solidFill>
+                <a:latin typeface="Cambria Math" panose="02040503050406030204" pitchFamily="18" charset="0"/>
+                <a:ea typeface="Cambria Math" panose="02040503050406030204" pitchFamily="18" charset="0"/>
+                <a:cs typeface="Arial" panose="020B0604020202020204" pitchFamily="34" charset="0"/>
+              </a:rPr>
+              <a:t>(1−</a:t>
+            </a:r>
+            <a:r>
+              <a:rPr lang="en-GB" sz="2200" i="1" dirty="0">
+                <a:solidFill>
+                  <a:schemeClr val="bg1"/>
+                </a:solidFill>
+                <a:latin typeface="Cambria Math" panose="02040503050406030204" pitchFamily="18" charset="0"/>
+                <a:ea typeface="Cambria Math" panose="02040503050406030204" pitchFamily="18" charset="0"/>
+                <a:cs typeface="Arial" panose="020B0604020202020204" pitchFamily="34" charset="0"/>
+              </a:rPr>
+              <a:t>t</a:t>
+            </a:r>
+            <a:r>
+              <a:rPr lang="en-GB" sz="2200" dirty="0">
+                <a:solidFill>
+                  <a:schemeClr val="bg1"/>
+                </a:solidFill>
+                <a:latin typeface="Cambria Math" panose="02040503050406030204" pitchFamily="18" charset="0"/>
+                <a:ea typeface="Cambria Math" panose="02040503050406030204" pitchFamily="18" charset="0"/>
+                <a:cs typeface="Arial" panose="020B0604020202020204" pitchFamily="34" charset="0"/>
+              </a:rPr>
+              <a:t>(</a:t>
+            </a:r>
+            <a:r>
+              <a:rPr lang="en-GB" sz="2200" i="1" dirty="0">
+                <a:solidFill>
+                  <a:schemeClr val="bg1"/>
+                </a:solidFill>
+                <a:latin typeface="Cambria Math" panose="02040503050406030204" pitchFamily="18" charset="0"/>
+                <a:ea typeface="Cambria Math" panose="02040503050406030204" pitchFamily="18" charset="0"/>
+                <a:cs typeface="Arial" panose="020B0604020202020204" pitchFamily="34" charset="0"/>
+              </a:rPr>
+              <a:t>x</a:t>
+            </a:r>
+            <a:r>
+              <a:rPr lang="en-GB" sz="2200" dirty="0" smtClean="0">
+                <a:solidFill>
+                  <a:schemeClr val="bg1"/>
+                </a:solidFill>
+                <a:latin typeface="Cambria Math" panose="02040503050406030204" pitchFamily="18" charset="0"/>
+                <a:ea typeface="Cambria Math" panose="02040503050406030204" pitchFamily="18" charset="0"/>
+                <a:cs typeface="Arial" panose="020B0604020202020204" pitchFamily="34" charset="0"/>
+              </a:rPr>
+              <a:t>))</a:t>
+            </a:r>
+          </a:p>
+          <a:p>
+            <a:pPr marL="0" indent="0">
+              <a:buNone/>
+            </a:pPr>
+            <a:r>
+              <a:rPr lang="en-US" sz="2200" i="1" dirty="0" smtClean="0">
+                <a:solidFill>
+                  <a:schemeClr val="bg1"/>
+                </a:solidFill>
+                <a:latin typeface="Cambria Math" panose="02040503050406030204" pitchFamily="18" charset="0"/>
+                <a:ea typeface="Cambria Math" panose="02040503050406030204" pitchFamily="18" charset="0"/>
+                <a:cs typeface="Arial" panose="020B0604020202020204" pitchFamily="34" charset="0"/>
+              </a:rPr>
+              <a:t>J</a:t>
+            </a:r>
+            <a:r>
+              <a:rPr lang="en-US" sz="2200" dirty="0" smtClean="0">
+                <a:latin typeface="Cambria Math" panose="02040503050406030204" pitchFamily="18" charset="0"/>
+                <a:ea typeface="Cambria Math" panose="02040503050406030204" pitchFamily="18" charset="0"/>
+                <a:cs typeface="Arial" panose="020B0604020202020204" pitchFamily="34" charset="0"/>
+              </a:rPr>
+              <a:t>  is the well exposed image</a:t>
+            </a:r>
+          </a:p>
+          <a:p>
+            <a:pPr marL="0" indent="0">
+              <a:buNone/>
+            </a:pPr>
+            <a:r>
+              <a:rPr lang="en-US" sz="2200" i="1" dirty="0" smtClean="0">
+                <a:solidFill>
+                  <a:schemeClr val="bg1"/>
+                </a:solidFill>
+                <a:latin typeface="Cambria Math" panose="02040503050406030204" pitchFamily="18" charset="0"/>
+                <a:ea typeface="Cambria Math" panose="02040503050406030204" pitchFamily="18" charset="0"/>
+                <a:cs typeface="Arial" panose="020B0604020202020204" pitchFamily="34" charset="0"/>
+              </a:rPr>
+              <a:t>A </a:t>
+            </a:r>
+            <a:r>
+              <a:rPr lang="en-US" sz="2200" dirty="0" smtClean="0">
+                <a:latin typeface="Cambria Math" panose="02040503050406030204" pitchFamily="18" charset="0"/>
+                <a:ea typeface="Cambria Math" panose="02040503050406030204" pitchFamily="18" charset="0"/>
+                <a:cs typeface="Arial" panose="020B0604020202020204" pitchFamily="34" charset="0"/>
+              </a:rPr>
+              <a:t> is the global atmospheric light</a:t>
+            </a:r>
+          </a:p>
+          <a:p>
+            <a:pPr marL="0" indent="0">
+              <a:buNone/>
+            </a:pPr>
+            <a:r>
+              <a:rPr lang="en-US" sz="2200" i="1" dirty="0" smtClean="0">
+                <a:solidFill>
+                  <a:schemeClr val="bg1"/>
+                </a:solidFill>
+                <a:latin typeface="Cambria Math" panose="02040503050406030204" pitchFamily="18" charset="0"/>
+                <a:ea typeface="Cambria Math" panose="02040503050406030204" pitchFamily="18" charset="0"/>
+                <a:cs typeface="Arial" panose="020B0604020202020204" pitchFamily="34" charset="0"/>
+              </a:rPr>
+              <a:t>t </a:t>
+            </a:r>
+            <a:r>
+              <a:rPr lang="en-US" sz="2200" dirty="0" smtClean="0">
+                <a:latin typeface="Cambria Math" panose="02040503050406030204" pitchFamily="18" charset="0"/>
+                <a:ea typeface="Cambria Math" panose="02040503050406030204" pitchFamily="18" charset="0"/>
+                <a:cs typeface="Arial" panose="020B0604020202020204" pitchFamily="34" charset="0"/>
+              </a:rPr>
+              <a:t> is the medium transmission (the light that reaches the camera)</a:t>
+            </a:r>
+            <a:endParaRPr lang="en-US" sz="2200" dirty="0">
+              <a:latin typeface="Cambria Math" panose="02040503050406030204" pitchFamily="18" charset="0"/>
+              <a:ea typeface="Cambria Math" panose="02040503050406030204" pitchFamily="18" charset="0"/>
+              <a:cs typeface="Arial" panose="020B0604020202020204" pitchFamily="34" charset="0"/>
+            </a:endParaRPr>
+          </a:p>
+        </p:txBody>
+      </p:sp>
+    </p:spTree>
+    <p:extLst>
+      <p:ext uri="{BB962C8B-B14F-4D97-AF65-F5344CB8AC3E}">
+        <p14:creationId xmlns:p14="http://schemas.microsoft.com/office/powerpoint/2010/main" val="2434846540"/>
+      </p:ext>
+    </p:extLst>
+  </p:cSld>
+  <p:clrMapOvr>
+    <a:masterClrMapping/>
+  </p:clrMapOvr>
+</p:sld>
+</file>
+
+<file path=ppt/slides/slide9.xml><?xml version="1.0" encoding="utf-8"?>
+<p:sld xmlns:a="http://schemas.openxmlformats.org/drawingml/2006/main" xmlns:r="http://schemas.openxmlformats.org/officeDocument/2006/relationships" xmlns:p="http://schemas.openxmlformats.org/presentationml/2006/main">
+  <p:cSld>
+    <p:spTree>
+      <p:nvGrpSpPr>
+        <p:cNvPr id="1" name=""/>
+        <p:cNvGrpSpPr/>
+        <p:nvPr/>
+      </p:nvGrpSpPr>
+      <p:grpSpPr>
+        <a:xfrm>
+          <a:off x="0" y="0"/>
+          <a:ext cx="0" cy="0"/>
+          <a:chOff x="0" y="0"/>
+          <a:chExt cx="0" cy="0"/>
+        </a:xfrm>
+      </p:grpSpPr>
+      <p:sp>
+        <p:nvSpPr>
+          <p:cNvPr id="2" name="Title 1"/>
+          <p:cNvSpPr>
+            <a:spLocks noGrp="1"/>
+          </p:cNvSpPr>
+          <p:nvPr>
+            <p:ph type="title"/>
+          </p:nvPr>
+        </p:nvSpPr>
+        <p:spPr/>
+        <p:txBody>
+          <a:bodyPr/>
+          <a:lstStyle/>
+          <a:p>
+            <a:r>
+              <a:rPr lang="en-US" dirty="0" smtClean="0">
+                <a:latin typeface="Arial Black" panose="020B0A04020102020204" pitchFamily="34" charset="0"/>
+              </a:rPr>
+              <a:t>Steps</a:t>
+            </a:r>
+            <a:endParaRPr lang="en-GB" dirty="0">
+              <a:latin typeface="Arial Black" panose="020B0A04020102020204" pitchFamily="34" charset="0"/>
+            </a:endParaRPr>
+          </a:p>
+        </p:txBody>
+      </p:sp>
+      <p:sp>
+        <p:nvSpPr>
+          <p:cNvPr id="3" name="Content Placeholder 2"/>
+          <p:cNvSpPr>
+            <a:spLocks noGrp="1"/>
+          </p:cNvSpPr>
+          <p:nvPr>
+            <p:ph idx="1"/>
+          </p:nvPr>
+        </p:nvSpPr>
+        <p:spPr>
+          <a:xfrm>
+            <a:off x="769221" y="2159000"/>
+            <a:ext cx="9613861" cy="4356100"/>
+          </a:xfrm>
+        </p:spPr>
+        <p:txBody>
+          <a:bodyPr>
+            <a:normAutofit fontScale="92500"/>
+          </a:bodyPr>
+          <a:lstStyle/>
+          <a:p>
+            <a:pPr marL="457200" indent="-457200">
+              <a:buFont typeface="+mj-lt"/>
+              <a:buAutoNum type="arabicPeriod"/>
+            </a:pPr>
+            <a:r>
+              <a:rPr lang="en-GB" dirty="0" smtClean="0">
+                <a:latin typeface="Arial" panose="020B0604020202020204" pitchFamily="34" charset="0"/>
+                <a:cs typeface="Arial" panose="020B0604020202020204" pitchFamily="34" charset="0"/>
+              </a:rPr>
+              <a:t>Use a </a:t>
+            </a:r>
+            <a:r>
+              <a:rPr lang="en-GB" dirty="0">
+                <a:latin typeface="Arial" panose="020B0604020202020204" pitchFamily="34" charset="0"/>
+                <a:cs typeface="Arial" panose="020B0604020202020204" pitchFamily="34" charset="0"/>
+              </a:rPr>
+              <a:t>max filter and a min filter to obtain the bright channel and the dark channel of input </a:t>
+            </a:r>
+            <a:r>
+              <a:rPr lang="en-GB" dirty="0" smtClean="0">
+                <a:latin typeface="Arial" panose="020B0604020202020204" pitchFamily="34" charset="0"/>
+                <a:cs typeface="Arial" panose="020B0604020202020204" pitchFamily="34" charset="0"/>
+              </a:rPr>
+              <a:t>image. </a:t>
+            </a:r>
+          </a:p>
+          <a:p>
+            <a:pPr marL="457200" indent="-457200">
+              <a:buFont typeface="+mj-lt"/>
+              <a:buAutoNum type="arabicPeriod"/>
+            </a:pPr>
+            <a:r>
+              <a:rPr lang="en-GB" dirty="0" smtClean="0">
+                <a:latin typeface="Arial" panose="020B0604020202020204" pitchFamily="34" charset="0"/>
+                <a:cs typeface="Arial" panose="020B0604020202020204" pitchFamily="34" charset="0"/>
+              </a:rPr>
+              <a:t>Compute </a:t>
+            </a:r>
+            <a:r>
+              <a:rPr lang="en-GB" dirty="0">
+                <a:latin typeface="Arial" panose="020B0604020202020204" pitchFamily="34" charset="0"/>
+                <a:cs typeface="Arial" panose="020B0604020202020204" pitchFamily="34" charset="0"/>
+              </a:rPr>
+              <a:t>the global atmosphere light via a min filtering operation on the bright channel. </a:t>
+            </a:r>
+            <a:endParaRPr lang="en-GB" dirty="0" smtClean="0">
+              <a:latin typeface="Arial" panose="020B0604020202020204" pitchFamily="34" charset="0"/>
+              <a:cs typeface="Arial" panose="020B0604020202020204" pitchFamily="34" charset="0"/>
+            </a:endParaRPr>
+          </a:p>
+          <a:p>
+            <a:pPr marL="457200" indent="-457200">
+              <a:buFont typeface="+mj-lt"/>
+              <a:buAutoNum type="arabicPeriod"/>
+            </a:pPr>
+            <a:r>
+              <a:rPr lang="en-GB" dirty="0">
+                <a:latin typeface="Arial" panose="020B0604020202020204" pitchFamily="34" charset="0"/>
+                <a:cs typeface="Arial" panose="020B0604020202020204" pitchFamily="34" charset="0"/>
+              </a:rPr>
+              <a:t>U</a:t>
+            </a:r>
+            <a:r>
+              <a:rPr lang="en-GB" dirty="0" smtClean="0">
+                <a:latin typeface="Arial" panose="020B0604020202020204" pitchFamily="34" charset="0"/>
+                <a:cs typeface="Arial" panose="020B0604020202020204" pitchFamily="34" charset="0"/>
+              </a:rPr>
+              <a:t>tilize </a:t>
+            </a:r>
+            <a:r>
+              <a:rPr lang="en-GB" dirty="0">
+                <a:latin typeface="Arial" panose="020B0604020202020204" pitchFamily="34" charset="0"/>
+                <a:cs typeface="Arial" panose="020B0604020202020204" pitchFamily="34" charset="0"/>
+              </a:rPr>
+              <a:t>the bright channel prior to get an initial transmission estimation. </a:t>
+            </a:r>
+            <a:endParaRPr lang="en-GB" dirty="0" smtClean="0">
+              <a:latin typeface="Arial" panose="020B0604020202020204" pitchFamily="34" charset="0"/>
+              <a:cs typeface="Arial" panose="020B0604020202020204" pitchFamily="34" charset="0"/>
+            </a:endParaRPr>
+          </a:p>
+          <a:p>
+            <a:pPr marL="457200" indent="-457200">
+              <a:buFont typeface="+mj-lt"/>
+              <a:buAutoNum type="arabicPeriod"/>
+            </a:pPr>
+            <a:r>
+              <a:rPr lang="en-GB" dirty="0">
+                <a:latin typeface="Arial" panose="020B0604020202020204" pitchFamily="34" charset="0"/>
+                <a:cs typeface="Arial" panose="020B0604020202020204" pitchFamily="34" charset="0"/>
+              </a:rPr>
+              <a:t>U</a:t>
+            </a:r>
+            <a:r>
+              <a:rPr lang="en-GB" dirty="0" smtClean="0">
+                <a:latin typeface="Arial" panose="020B0604020202020204" pitchFamily="34" charset="0"/>
+                <a:cs typeface="Arial" panose="020B0604020202020204" pitchFamily="34" charset="0"/>
+              </a:rPr>
+              <a:t>se </a:t>
+            </a:r>
+            <a:r>
+              <a:rPr lang="en-GB" dirty="0">
+                <a:latin typeface="Arial" panose="020B0604020202020204" pitchFamily="34" charset="0"/>
+                <a:cs typeface="Arial" panose="020B0604020202020204" pitchFamily="34" charset="0"/>
+              </a:rPr>
+              <a:t>the dark channel as a complementary information to correct potentially erroneous transmission estimations attained from the bright channel prior. </a:t>
+            </a:r>
+            <a:endParaRPr lang="en-GB" dirty="0" smtClean="0">
+              <a:latin typeface="Arial" panose="020B0604020202020204" pitchFamily="34" charset="0"/>
+              <a:cs typeface="Arial" panose="020B0604020202020204" pitchFamily="34" charset="0"/>
+            </a:endParaRPr>
+          </a:p>
+          <a:p>
+            <a:pPr marL="457200" indent="-457200">
+              <a:buFont typeface="+mj-lt"/>
+              <a:buAutoNum type="arabicPeriod"/>
+            </a:pPr>
+            <a:r>
+              <a:rPr lang="en-GB" dirty="0" smtClean="0">
+                <a:latin typeface="Arial" panose="020B0604020202020204" pitchFamily="34" charset="0"/>
+                <a:cs typeface="Arial" panose="020B0604020202020204" pitchFamily="34" charset="0"/>
+              </a:rPr>
+              <a:t>The </a:t>
+            </a:r>
+            <a:r>
+              <a:rPr lang="en-GB" dirty="0">
+                <a:latin typeface="Arial" panose="020B0604020202020204" pitchFamily="34" charset="0"/>
+                <a:cs typeface="Arial" panose="020B0604020202020204" pitchFamily="34" charset="0"/>
+              </a:rPr>
+              <a:t>corrected transmission map is refined via the guided filter to get more smooth structure. </a:t>
+            </a:r>
+            <a:endParaRPr lang="en-GB" dirty="0" smtClean="0">
+              <a:latin typeface="Arial" panose="020B0604020202020204" pitchFamily="34" charset="0"/>
+              <a:cs typeface="Arial" panose="020B0604020202020204" pitchFamily="34" charset="0"/>
+            </a:endParaRPr>
+          </a:p>
+          <a:p>
+            <a:pPr marL="457200" indent="-457200">
+              <a:buFont typeface="+mj-lt"/>
+              <a:buAutoNum type="arabicPeriod"/>
+            </a:pPr>
+            <a:r>
+              <a:rPr lang="en-GB" dirty="0" smtClean="0">
+                <a:latin typeface="Arial" panose="020B0604020202020204" pitchFamily="34" charset="0"/>
+                <a:cs typeface="Arial" panose="020B0604020202020204" pitchFamily="34" charset="0"/>
+              </a:rPr>
+              <a:t>Finally</a:t>
+            </a:r>
+            <a:r>
+              <a:rPr lang="en-GB" dirty="0">
+                <a:latin typeface="Arial" panose="020B0604020202020204" pitchFamily="34" charset="0"/>
+                <a:cs typeface="Arial" panose="020B0604020202020204" pitchFamily="34" charset="0"/>
+              </a:rPr>
+              <a:t>, with the global atmosphere light and transmission, we can achieve a dark-free image. </a:t>
+            </a:r>
+          </a:p>
+        </p:txBody>
+      </p:sp>
+    </p:spTree>
+    <p:extLst>
+      <p:ext uri="{BB962C8B-B14F-4D97-AF65-F5344CB8AC3E}">
+        <p14:creationId xmlns:p14="http://schemas.microsoft.com/office/powerpoint/2010/main" val="4054616109"/>
       </p:ext>
     </p:extLst>
   </p:cSld>

--- a/ImageProcessingPresentation.pptx
+++ b/ImageProcessingPresentation.pptx
@@ -398,7 +398,7 @@
           <a:p>
             <a:fld id="{64835E3A-6F4C-4400-BF07-9D86E399194A}" type="datetimeFigureOut">
               <a:rPr lang="en-GB" smtClean="0"/>
-              <a:t>14/04/2018</a:t>
+              <a:t>15/04/2018</a:t>
             </a:fld>
             <a:endParaRPr lang="en-GB"/>
           </a:p>
@@ -812,7 +812,7 @@
           <a:p>
             <a:fld id="{64835E3A-6F4C-4400-BF07-9D86E399194A}" type="datetimeFigureOut">
               <a:rPr lang="en-GB" smtClean="0"/>
-              <a:t>14/04/2018</a:t>
+              <a:t>15/04/2018</a:t>
             </a:fld>
             <a:endParaRPr lang="en-GB"/>
           </a:p>
@@ -1148,7 +1148,7 @@
           <a:p>
             <a:fld id="{64835E3A-6F4C-4400-BF07-9D86E399194A}" type="datetimeFigureOut">
               <a:rPr lang="en-GB" smtClean="0"/>
-              <a:t>14/04/2018</a:t>
+              <a:t>15/04/2018</a:t>
             </a:fld>
             <a:endParaRPr lang="en-GB"/>
           </a:p>
@@ -1553,7 +1553,7 @@
           <a:p>
             <a:fld id="{64835E3A-6F4C-4400-BF07-9D86E399194A}" type="datetimeFigureOut">
               <a:rPr lang="en-GB" smtClean="0"/>
-              <a:t>14/04/2018</a:t>
+              <a:t>15/04/2018</a:t>
             </a:fld>
             <a:endParaRPr lang="en-GB"/>
           </a:p>
@@ -2121,7 +2121,7 @@
           <a:p>
             <a:fld id="{64835E3A-6F4C-4400-BF07-9D86E399194A}" type="datetimeFigureOut">
               <a:rPr lang="en-GB" smtClean="0"/>
-              <a:t>14/04/2018</a:t>
+              <a:t>15/04/2018</a:t>
             </a:fld>
             <a:endParaRPr lang="en-GB"/>
           </a:p>
@@ -2802,7 +2802,7 @@
           <a:p>
             <a:fld id="{64835E3A-6F4C-4400-BF07-9D86E399194A}" type="datetimeFigureOut">
               <a:rPr lang="en-GB" smtClean="0"/>
-              <a:t>14/04/2018</a:t>
+              <a:t>15/04/2018</a:t>
             </a:fld>
             <a:endParaRPr lang="en-GB"/>
           </a:p>
@@ -3715,7 +3715,7 @@
           <a:p>
             <a:fld id="{64835E3A-6F4C-4400-BF07-9D86E399194A}" type="datetimeFigureOut">
               <a:rPr lang="en-GB" smtClean="0"/>
-              <a:t>14/04/2018</a:t>
+              <a:t>15/04/2018</a:t>
             </a:fld>
             <a:endParaRPr lang="en-GB"/>
           </a:p>
@@ -4028,7 +4028,7 @@
           <a:p>
             <a:fld id="{64835E3A-6F4C-4400-BF07-9D86E399194A}" type="datetimeFigureOut">
               <a:rPr lang="en-GB" smtClean="0"/>
-              <a:t>14/04/2018</a:t>
+              <a:t>15/04/2018</a:t>
             </a:fld>
             <a:endParaRPr lang="en-GB"/>
           </a:p>
@@ -4292,7 +4292,7 @@
           <a:p>
             <a:fld id="{64835E3A-6F4C-4400-BF07-9D86E399194A}" type="datetimeFigureOut">
               <a:rPr lang="en-GB" smtClean="0"/>
-              <a:t>14/04/2018</a:t>
+              <a:t>15/04/2018</a:t>
             </a:fld>
             <a:endParaRPr lang="en-GB"/>
           </a:p>
@@ -4615,7 +4615,7 @@
           <a:p>
             <a:fld id="{64835E3A-6F4C-4400-BF07-9D86E399194A}" type="datetimeFigureOut">
               <a:rPr lang="en-GB" smtClean="0"/>
-              <a:t>14/04/2018</a:t>
+              <a:t>15/04/2018</a:t>
             </a:fld>
             <a:endParaRPr lang="en-GB"/>
           </a:p>
@@ -5004,7 +5004,7 @@
           <a:p>
             <a:fld id="{64835E3A-6F4C-4400-BF07-9D86E399194A}" type="datetimeFigureOut">
               <a:rPr lang="en-GB" smtClean="0"/>
-              <a:t>14/04/2018</a:t>
+              <a:t>15/04/2018</a:t>
             </a:fld>
             <a:endParaRPr lang="en-GB"/>
           </a:p>
@@ -5380,7 +5380,7 @@
           <a:p>
             <a:fld id="{64835E3A-6F4C-4400-BF07-9D86E399194A}" type="datetimeFigureOut">
               <a:rPr lang="en-GB" smtClean="0"/>
-              <a:t>14/04/2018</a:t>
+              <a:t>15/04/2018</a:t>
             </a:fld>
             <a:endParaRPr lang="en-GB"/>
           </a:p>
@@ -5891,7 +5891,7 @@
           <a:p>
             <a:fld id="{64835E3A-6F4C-4400-BF07-9D86E399194A}" type="datetimeFigureOut">
               <a:rPr lang="en-GB" smtClean="0"/>
-              <a:t>14/04/2018</a:t>
+              <a:t>15/04/2018</a:t>
             </a:fld>
             <a:endParaRPr lang="en-GB"/>
           </a:p>
@@ -6153,7 +6153,7 @@
           <a:p>
             <a:fld id="{64835E3A-6F4C-4400-BF07-9D86E399194A}" type="datetimeFigureOut">
               <a:rPr lang="en-GB" smtClean="0"/>
-              <a:t>14/04/2018</a:t>
+              <a:t>15/04/2018</a:t>
             </a:fld>
             <a:endParaRPr lang="en-GB"/>
           </a:p>
@@ -6316,7 +6316,7 @@
           <a:p>
             <a:fld id="{64835E3A-6F4C-4400-BF07-9D86E399194A}" type="datetimeFigureOut">
               <a:rPr lang="en-GB" smtClean="0"/>
-              <a:t>14/04/2018</a:t>
+              <a:t>15/04/2018</a:t>
             </a:fld>
             <a:endParaRPr lang="en-GB"/>
           </a:p>
@@ -6706,7 +6706,7 @@
           <a:p>
             <a:fld id="{64835E3A-6F4C-4400-BF07-9D86E399194A}" type="datetimeFigureOut">
               <a:rPr lang="en-GB" smtClean="0"/>
-              <a:t>14/04/2018</a:t>
+              <a:t>15/04/2018</a:t>
             </a:fld>
             <a:endParaRPr lang="en-GB"/>
           </a:p>
@@ -7120,7 +7120,7 @@
           <a:p>
             <a:fld id="{64835E3A-6F4C-4400-BF07-9D86E399194A}" type="datetimeFigureOut">
               <a:rPr lang="en-GB" smtClean="0"/>
-              <a:t>14/04/2018</a:t>
+              <a:t>15/04/2018</a:t>
             </a:fld>
             <a:endParaRPr lang="en-GB"/>
           </a:p>
@@ -7364,7 +7364,7 @@
           <a:p>
             <a:fld id="{64835E3A-6F4C-4400-BF07-9D86E399194A}" type="datetimeFigureOut">
               <a:rPr lang="en-GB" smtClean="0"/>
-              <a:t>14/04/2018</a:t>
+              <a:t>15/04/2018</a:t>
             </a:fld>
             <a:endParaRPr lang="en-GB"/>
           </a:p>
@@ -7900,7 +7900,15 @@
           <a:bodyPr/>
           <a:lstStyle/>
           <a:p>
-            <a:endParaRPr lang="en-GB"/>
+            <a:r>
+              <a:rPr lang="en-US" dirty="0" smtClean="0">
+                <a:latin typeface="Arial Black" panose="020B0A04020102020204" pitchFamily="34" charset="0"/>
+              </a:rPr>
+              <a:t>Atmospheric light</a:t>
+            </a:r>
+            <a:endParaRPr lang="en-GB" dirty="0">
+              <a:latin typeface="Arial Black" panose="020B0A04020102020204" pitchFamily="34" charset="0"/>
+            </a:endParaRPr>
           </a:p>
         </p:txBody>
       </p:sp>
@@ -7916,10 +7924,25 @@
         </p:nvSpPr>
         <p:spPr/>
         <p:txBody>
-          <a:bodyPr/>
+          <a:bodyPr>
+            <a:normAutofit/>
+          </a:bodyPr>
           <a:lstStyle/>
           <a:p>
-            <a:endParaRPr lang="en-GB"/>
+            <a:pPr marL="0" indent="0">
+              <a:buNone/>
+            </a:pPr>
+            <a:r>
+              <a:rPr lang="en-US" sz="2200" dirty="0" smtClean="0">
+                <a:latin typeface="Arial" panose="020B0604020202020204" pitchFamily="34" charset="0"/>
+                <a:cs typeface="Arial" panose="020B0604020202020204" pitchFamily="34" charset="0"/>
+              </a:rPr>
+              <a:t>To determine the atmospheric light in the image we will make use of the bright channel prior. The top 10% pixels are selected from the bright channel and their mean is computed. We will set the value of the atmospheric light as the mean value in order to eliminate the noise that may be generated by selecting the maximum value.</a:t>
+            </a:r>
+            <a:endParaRPr lang="en-GB" sz="2200" dirty="0">
+              <a:latin typeface="Arial" panose="020B0604020202020204" pitchFamily="34" charset="0"/>
+              <a:cs typeface="Arial" panose="020B0604020202020204" pitchFamily="34" charset="0"/>
+            </a:endParaRPr>
           </a:p>
         </p:txBody>
       </p:sp>
@@ -7968,29 +7991,490 @@
           <a:bodyPr/>
           <a:lstStyle/>
           <a:p>
-            <a:endParaRPr lang="en-GB"/>
-          </a:p>
-        </p:txBody>
-      </p:sp>
-      <p:sp>
-        <p:nvSpPr>
-          <p:cNvPr id="3" name="Content Placeholder 2"/>
-          <p:cNvSpPr>
-            <a:spLocks noGrp="1"/>
-          </p:cNvSpPr>
-          <p:nvPr>
-            <p:ph idx="1"/>
-          </p:nvPr>
-        </p:nvSpPr>
-        <p:spPr/>
-        <p:txBody>
-          <a:bodyPr/>
-          <a:lstStyle/>
-          <a:p>
-            <a:endParaRPr lang="en-GB"/>
-          </a:p>
-        </p:txBody>
-      </p:sp>
+            <a:r>
+              <a:rPr lang="en-US" dirty="0" smtClean="0">
+                <a:latin typeface="Arial Black" panose="020B0A04020102020204" pitchFamily="34" charset="0"/>
+              </a:rPr>
+              <a:t>Transmission estimation</a:t>
+            </a:r>
+            <a:endParaRPr lang="en-GB" dirty="0">
+              <a:latin typeface="Arial Black" panose="020B0A04020102020204" pitchFamily="34" charset="0"/>
+            </a:endParaRPr>
+          </a:p>
+        </p:txBody>
+      </p:sp>
+      <mc:AlternateContent xmlns:mc="http://schemas.openxmlformats.org/markup-compatibility/2006">
+        <mc:Choice xmlns:a14="http://schemas.microsoft.com/office/drawing/2010/main" Requires="a14">
+          <p:sp>
+            <p:nvSpPr>
+              <p:cNvPr id="3" name="Content Placeholder 2"/>
+              <p:cNvSpPr>
+                <a:spLocks noGrp="1"/>
+              </p:cNvSpPr>
+              <p:nvPr>
+                <p:ph idx="1"/>
+              </p:nvPr>
+            </p:nvSpPr>
+            <p:spPr>
+              <a:xfrm>
+                <a:off x="680321" y="2057473"/>
+                <a:ext cx="10089280" cy="3599316"/>
+              </a:xfrm>
+            </p:spPr>
+            <p:txBody>
+              <a:bodyPr/>
+              <a:lstStyle/>
+              <a:p>
+                <a:pPr marL="0" indent="0">
+                  <a:buNone/>
+                </a:pPr>
+                <a:r>
+                  <a:rPr lang="en-GB" sz="2200" dirty="0" smtClean="0">
+                    <a:latin typeface="Arial" panose="020B0604020202020204" pitchFamily="34" charset="0"/>
+                    <a:cs typeface="Arial" panose="020B0604020202020204" pitchFamily="34" charset="0"/>
+                  </a:rPr>
+                  <a:t>Simply, we assume that the transmission in a small local patch </a:t>
+                </a:r>
+                <a:r>
+                  <a:rPr lang="en-GB" sz="2200" i="1" dirty="0">
+                    <a:latin typeface="Arial" panose="020B0604020202020204" pitchFamily="34" charset="0"/>
+                    <a:cs typeface="Arial" panose="020B0604020202020204" pitchFamily="34" charset="0"/>
+                  </a:rPr>
+                  <a:t>Ω</a:t>
+                </a:r>
+                <a:r>
+                  <a:rPr lang="en-GB" sz="2200" dirty="0">
+                    <a:latin typeface="Arial" panose="020B0604020202020204" pitchFamily="34" charset="0"/>
+                    <a:cs typeface="Arial" panose="020B0604020202020204" pitchFamily="34" charset="0"/>
+                  </a:rPr>
+                  <a:t>(</a:t>
+                </a:r>
+                <a:r>
+                  <a:rPr lang="en-GB" sz="2200" i="1" dirty="0">
+                    <a:latin typeface="Arial" panose="020B0604020202020204" pitchFamily="34" charset="0"/>
+                    <a:cs typeface="Arial" panose="020B0604020202020204" pitchFamily="34" charset="0"/>
+                  </a:rPr>
+                  <a:t>x</a:t>
+                </a:r>
+                <a:r>
+                  <a:rPr lang="en-GB" sz="2200" dirty="0">
+                    <a:latin typeface="Arial" panose="020B0604020202020204" pitchFamily="34" charset="0"/>
+                    <a:cs typeface="Arial" panose="020B0604020202020204" pitchFamily="34" charset="0"/>
+                  </a:rPr>
+                  <a:t>) is a constant. It is a reasonable assumption since a local patch usually contains </a:t>
+                </a:r>
+                <a:r>
+                  <a:rPr lang="en-GB" sz="2200" dirty="0" smtClean="0">
+                    <a:latin typeface="Arial" panose="020B0604020202020204" pitchFamily="34" charset="0"/>
+                    <a:cs typeface="Arial" panose="020B0604020202020204" pitchFamily="34" charset="0"/>
+                  </a:rPr>
+                  <a:t>same </a:t>
+                </a:r>
+                <a:r>
+                  <a:rPr lang="en-GB" sz="2200" dirty="0">
+                    <a:latin typeface="Arial" panose="020B0604020202020204" pitchFamily="34" charset="0"/>
+                    <a:cs typeface="Arial" panose="020B0604020202020204" pitchFamily="34" charset="0"/>
+                  </a:rPr>
+                  <a:t>materials and has constant illumination. </a:t>
+                </a:r>
+                <a:endParaRPr lang="en-GB" sz="2200" dirty="0" smtClean="0">
+                  <a:latin typeface="Arial" panose="020B0604020202020204" pitchFamily="34" charset="0"/>
+                  <a:cs typeface="Arial" panose="020B0604020202020204" pitchFamily="34" charset="0"/>
+                </a:endParaRPr>
+              </a:p>
+              <a:p>
+                <a:pPr marL="0" indent="0">
+                  <a:buNone/>
+                </a:pPr>
+                <a:endParaRPr lang="en-GB" sz="2200" dirty="0" smtClean="0">
+                  <a:latin typeface="Arial" panose="020B0604020202020204" pitchFamily="34" charset="0"/>
+                  <a:cs typeface="Arial" panose="020B0604020202020204" pitchFamily="34" charset="0"/>
+                </a:endParaRPr>
+              </a:p>
+              <a:p>
+                <a:pPr marL="0" indent="0">
+                  <a:buNone/>
+                </a:pPr>
+                <a14:m>
+                  <m:oMathPara xmlns:m="http://schemas.openxmlformats.org/officeDocument/2006/math">
+                    <m:oMathParaPr>
+                      <m:jc m:val="left"/>
+                    </m:oMathParaPr>
+                    <m:oMath xmlns:m="http://schemas.openxmlformats.org/officeDocument/2006/math">
+                      <m:sSup>
+                        <m:sSupPr>
+                          <m:ctrlPr>
+                            <a:rPr lang="en-US" altLang="en-US" sz="2200" i="1" smtClean="0">
+                              <a:latin typeface="Cambria Math" panose="02040503050406030204" pitchFamily="18" charset="0"/>
+                              <a:ea typeface="Cambria Math" panose="02040503050406030204" pitchFamily="18" charset="0"/>
+                            </a:rPr>
+                          </m:ctrlPr>
+                        </m:sSupPr>
+                        <m:e>
+                          <m:r>
+                            <a:rPr lang="en-US" altLang="en-US" sz="2200" b="0" i="1" smtClean="0">
+                              <a:latin typeface="Cambria Math" panose="02040503050406030204" pitchFamily="18" charset="0"/>
+                              <a:ea typeface="Cambria Math" panose="02040503050406030204" pitchFamily="18" charset="0"/>
+                            </a:rPr>
+                            <m:t>𝐼</m:t>
+                          </m:r>
+                        </m:e>
+                        <m:sup>
+                          <m:r>
+                            <a:rPr lang="en-US" altLang="en-US" sz="2200" b="0" i="1" smtClean="0">
+                              <a:latin typeface="Cambria Math" panose="02040503050406030204" pitchFamily="18" charset="0"/>
+                              <a:ea typeface="Cambria Math" panose="02040503050406030204" pitchFamily="18" charset="0"/>
+                            </a:rPr>
+                            <m:t>𝑏𝑟𝑖𝑔h𝑡</m:t>
+                          </m:r>
+                        </m:sup>
+                      </m:sSup>
+                      <m:d>
+                        <m:dPr>
+                          <m:ctrlPr>
+                            <a:rPr lang="en-US" altLang="en-US" sz="2200" b="0" i="1" smtClean="0">
+                              <a:latin typeface="Cambria Math" panose="02040503050406030204" pitchFamily="18" charset="0"/>
+                              <a:ea typeface="Cambria Math" panose="02040503050406030204" pitchFamily="18" charset="0"/>
+                            </a:rPr>
+                          </m:ctrlPr>
+                        </m:dPr>
+                        <m:e>
+                          <m:r>
+                            <a:rPr lang="en-US" altLang="en-US" sz="2200" b="0" i="1" smtClean="0">
+                              <a:latin typeface="Cambria Math" panose="02040503050406030204" pitchFamily="18" charset="0"/>
+                              <a:ea typeface="Cambria Math" panose="02040503050406030204" pitchFamily="18" charset="0"/>
+                            </a:rPr>
+                            <m:t>𝑥</m:t>
+                          </m:r>
+                        </m:e>
+                      </m:d>
+                      <m:r>
+                        <a:rPr lang="en-US" altLang="en-US" sz="2200" b="0" i="1" smtClean="0">
+                          <a:latin typeface="Cambria Math" panose="02040503050406030204" pitchFamily="18" charset="0"/>
+                          <a:ea typeface="Cambria Math" panose="02040503050406030204" pitchFamily="18" charset="0"/>
+                        </a:rPr>
+                        <m:t>=</m:t>
+                      </m:r>
+                      <m:acc>
+                        <m:accPr>
+                          <m:chr m:val="̇"/>
+                          <m:ctrlPr>
+                            <a:rPr lang="en-US" altLang="en-US" sz="2200" b="0" i="1" smtClean="0">
+                              <a:latin typeface="Cambria Math" panose="02040503050406030204" pitchFamily="18" charset="0"/>
+                              <a:ea typeface="Cambria Math" panose="02040503050406030204" pitchFamily="18" charset="0"/>
+                            </a:rPr>
+                          </m:ctrlPr>
+                        </m:accPr>
+                        <m:e>
+                          <m:r>
+                            <a:rPr lang="en-US" altLang="en-US" sz="2200" b="0" i="1" smtClean="0">
+                              <a:latin typeface="Cambria Math" panose="02040503050406030204" pitchFamily="18" charset="0"/>
+                              <a:ea typeface="Cambria Math" panose="02040503050406030204" pitchFamily="18" charset="0"/>
+                            </a:rPr>
+                            <m:t>𝑡</m:t>
+                          </m:r>
+                        </m:e>
+                      </m:acc>
+                      <m:d>
+                        <m:dPr>
+                          <m:ctrlPr>
+                            <a:rPr lang="en-US" altLang="en-US" sz="2200" b="0" i="1" smtClean="0">
+                              <a:latin typeface="Cambria Math" panose="02040503050406030204" pitchFamily="18" charset="0"/>
+                              <a:ea typeface="Cambria Math" panose="02040503050406030204" pitchFamily="18" charset="0"/>
+                            </a:rPr>
+                          </m:ctrlPr>
+                        </m:dPr>
+                        <m:e>
+                          <m:r>
+                            <a:rPr lang="en-US" altLang="en-US" sz="2200" b="0" i="1" smtClean="0">
+                              <a:latin typeface="Cambria Math" panose="02040503050406030204" pitchFamily="18" charset="0"/>
+                              <a:ea typeface="Cambria Math" panose="02040503050406030204" pitchFamily="18" charset="0"/>
+                            </a:rPr>
+                            <m:t>𝑥</m:t>
+                          </m:r>
+                        </m:e>
+                      </m:d>
+                      <m:sSup>
+                        <m:sSupPr>
+                          <m:ctrlPr>
+                            <a:rPr lang="en-US" altLang="en-US" sz="2200" b="0" i="1" smtClean="0">
+                              <a:latin typeface="Cambria Math" panose="02040503050406030204" pitchFamily="18" charset="0"/>
+                              <a:ea typeface="Cambria Math" panose="02040503050406030204" pitchFamily="18" charset="0"/>
+                            </a:rPr>
+                          </m:ctrlPr>
+                        </m:sSupPr>
+                        <m:e>
+                          <m:r>
+                            <a:rPr lang="en-US" altLang="en-US" sz="2200" b="0" i="1" smtClean="0">
+                              <a:latin typeface="Cambria Math" panose="02040503050406030204" pitchFamily="18" charset="0"/>
+                              <a:ea typeface="Cambria Math" panose="02040503050406030204" pitchFamily="18" charset="0"/>
+                            </a:rPr>
+                            <m:t>𝐽</m:t>
+                          </m:r>
+                        </m:e>
+                        <m:sup>
+                          <m:r>
+                            <a:rPr lang="en-US" altLang="en-US" sz="2200" b="0" i="1" smtClean="0">
+                              <a:latin typeface="Cambria Math" panose="02040503050406030204" pitchFamily="18" charset="0"/>
+                              <a:ea typeface="Cambria Math" panose="02040503050406030204" pitchFamily="18" charset="0"/>
+                            </a:rPr>
+                            <m:t>𝑏𝑟𝑖𝑔h𝑡</m:t>
+                          </m:r>
+                        </m:sup>
+                      </m:sSup>
+                      <m:d>
+                        <m:dPr>
+                          <m:ctrlPr>
+                            <a:rPr lang="en-US" altLang="en-US" sz="2200" b="0" i="1" smtClean="0">
+                              <a:latin typeface="Cambria Math" panose="02040503050406030204" pitchFamily="18" charset="0"/>
+                              <a:ea typeface="Cambria Math" panose="02040503050406030204" pitchFamily="18" charset="0"/>
+                            </a:rPr>
+                          </m:ctrlPr>
+                        </m:dPr>
+                        <m:e>
+                          <m:r>
+                            <a:rPr lang="en-US" altLang="en-US" sz="2200" b="0" i="1" smtClean="0">
+                              <a:latin typeface="Cambria Math" panose="02040503050406030204" pitchFamily="18" charset="0"/>
+                              <a:ea typeface="Cambria Math" panose="02040503050406030204" pitchFamily="18" charset="0"/>
+                            </a:rPr>
+                            <m:t>𝑥</m:t>
+                          </m:r>
+                        </m:e>
+                      </m:d>
+                      <m:r>
+                        <a:rPr lang="en-US" altLang="en-US" sz="2200" b="0" i="1" smtClean="0">
+                          <a:latin typeface="Cambria Math" panose="02040503050406030204" pitchFamily="18" charset="0"/>
+                          <a:ea typeface="Cambria Math" panose="02040503050406030204" pitchFamily="18" charset="0"/>
+                        </a:rPr>
+                        <m:t>+(1−</m:t>
+                      </m:r>
+                      <m:acc>
+                        <m:accPr>
+                          <m:chr m:val="̇"/>
+                          <m:ctrlPr>
+                            <a:rPr lang="en-US" altLang="en-US" sz="2200" b="0" i="1" smtClean="0">
+                              <a:latin typeface="Cambria Math" panose="02040503050406030204" pitchFamily="18" charset="0"/>
+                              <a:ea typeface="Cambria Math" panose="02040503050406030204" pitchFamily="18" charset="0"/>
+                            </a:rPr>
+                          </m:ctrlPr>
+                        </m:accPr>
+                        <m:e>
+                          <m:r>
+                            <a:rPr lang="en-US" altLang="en-US" sz="2200" b="0" i="1" smtClean="0">
+                              <a:latin typeface="Cambria Math" panose="02040503050406030204" pitchFamily="18" charset="0"/>
+                              <a:ea typeface="Cambria Math" panose="02040503050406030204" pitchFamily="18" charset="0"/>
+                            </a:rPr>
+                            <m:t>𝑡</m:t>
+                          </m:r>
+                        </m:e>
+                      </m:acc>
+                      <m:d>
+                        <m:dPr>
+                          <m:ctrlPr>
+                            <a:rPr lang="en-US" altLang="en-US" sz="2200" b="0" i="1" smtClean="0">
+                              <a:latin typeface="Cambria Math" panose="02040503050406030204" pitchFamily="18" charset="0"/>
+                              <a:ea typeface="Cambria Math" panose="02040503050406030204" pitchFamily="18" charset="0"/>
+                            </a:rPr>
+                          </m:ctrlPr>
+                        </m:dPr>
+                        <m:e>
+                          <m:r>
+                            <a:rPr lang="en-US" altLang="en-US" sz="2200" b="0" i="1" smtClean="0">
+                              <a:latin typeface="Cambria Math" panose="02040503050406030204" pitchFamily="18" charset="0"/>
+                              <a:ea typeface="Cambria Math" panose="02040503050406030204" pitchFamily="18" charset="0"/>
+                            </a:rPr>
+                            <m:t>𝑥</m:t>
+                          </m:r>
+                        </m:e>
+                      </m:d>
+                      <m:r>
+                        <a:rPr lang="en-US" altLang="en-US" sz="2200" b="0" i="1" smtClean="0">
+                          <a:latin typeface="Cambria Math" panose="02040503050406030204" pitchFamily="18" charset="0"/>
+                          <a:ea typeface="Cambria Math" panose="02040503050406030204" pitchFamily="18" charset="0"/>
+                        </a:rPr>
+                        <m:t>)</m:t>
+                      </m:r>
+                      <m:sSup>
+                        <m:sSupPr>
+                          <m:ctrlPr>
+                            <a:rPr lang="en-US" altLang="en-US" sz="2200" b="0" i="1" smtClean="0">
+                              <a:latin typeface="Cambria Math" panose="02040503050406030204" pitchFamily="18" charset="0"/>
+                              <a:ea typeface="Cambria Math" panose="02040503050406030204" pitchFamily="18" charset="0"/>
+                            </a:rPr>
+                          </m:ctrlPr>
+                        </m:sSupPr>
+                        <m:e>
+                          <m:r>
+                            <a:rPr lang="en-US" altLang="en-US" sz="2200" b="0" i="1" smtClean="0">
+                              <a:latin typeface="Cambria Math" panose="02040503050406030204" pitchFamily="18" charset="0"/>
+                              <a:ea typeface="Cambria Math" panose="02040503050406030204" pitchFamily="18" charset="0"/>
+                            </a:rPr>
+                            <m:t>𝐴</m:t>
+                          </m:r>
+                        </m:e>
+                        <m:sup>
+                          <m:r>
+                            <a:rPr lang="en-US" altLang="en-US" sz="2200" b="0" i="1" smtClean="0">
+                              <a:latin typeface="Cambria Math" panose="02040503050406030204" pitchFamily="18" charset="0"/>
+                              <a:ea typeface="Cambria Math" panose="02040503050406030204" pitchFamily="18" charset="0"/>
+                            </a:rPr>
+                            <m:t>𝑐</m:t>
+                          </m:r>
+                        </m:sup>
+                      </m:sSup>
+                    </m:oMath>
+                  </m:oMathPara>
+                </a14:m>
+                <a:endParaRPr lang="en-US" altLang="en-US" sz="2200" dirty="0" smtClean="0">
+                  <a:latin typeface="Cambria Math" panose="02040503050406030204" pitchFamily="18" charset="0"/>
+                  <a:ea typeface="Cambria Math" panose="02040503050406030204" pitchFamily="18" charset="0"/>
+                </a:endParaRPr>
+              </a:p>
+              <a:p>
+                <a:pPr marL="0" indent="0">
+                  <a:buNone/>
+                </a:pPr>
+                <a:endParaRPr lang="en-US" altLang="en-US" sz="2200" dirty="0">
+                  <a:latin typeface="Cambria Math" panose="02040503050406030204" pitchFamily="18" charset="0"/>
+                  <a:ea typeface="Cambria Math" panose="02040503050406030204" pitchFamily="18" charset="0"/>
+                </a:endParaRPr>
+              </a:p>
+              <a:p>
+                <a:pPr marL="0" indent="0">
+                  <a:buNone/>
+                </a:pPr>
+                <a:r>
+                  <a:rPr lang="en-GB" sz="2200" dirty="0">
+                    <a:latin typeface="Arial" panose="020B0604020202020204" pitchFamily="34" charset="0"/>
+                    <a:cs typeface="Arial" panose="020B0604020202020204" pitchFamily="34" charset="0"/>
+                  </a:rPr>
+                  <a:t>According to the bright channel prior, the bright channel </a:t>
+                </a:r>
+                <a14:m>
+                  <m:oMath xmlns:m="http://schemas.openxmlformats.org/officeDocument/2006/math">
+                    <m:sSup>
+                      <m:sSupPr>
+                        <m:ctrlPr>
+                          <a:rPr lang="en-GB" sz="2200" i="1" smtClean="0">
+                            <a:latin typeface="Cambria Math" panose="02040503050406030204" pitchFamily="18" charset="0"/>
+                            <a:cs typeface="Arial" panose="020B0604020202020204" pitchFamily="34" charset="0"/>
+                          </a:rPr>
+                        </m:ctrlPr>
+                      </m:sSupPr>
+                      <m:e>
+                        <m:r>
+                          <a:rPr lang="en-US" sz="2200" b="0" i="1" smtClean="0">
+                            <a:latin typeface="Cambria Math" panose="02040503050406030204" pitchFamily="18" charset="0"/>
+                            <a:cs typeface="Arial" panose="020B0604020202020204" pitchFamily="34" charset="0"/>
+                          </a:rPr>
+                          <m:t>𝐼</m:t>
+                        </m:r>
+                      </m:e>
+                      <m:sup>
+                        <m:r>
+                          <a:rPr lang="en-US" sz="2200" b="0" i="1" smtClean="0">
+                            <a:latin typeface="Cambria Math" panose="02040503050406030204" pitchFamily="18" charset="0"/>
+                            <a:cs typeface="Arial" panose="020B0604020202020204" pitchFamily="34" charset="0"/>
+                          </a:rPr>
+                          <m:t>𝑏𝑟𝑖𝑔h𝑡</m:t>
+                        </m:r>
+                      </m:sup>
+                    </m:sSup>
+                  </m:oMath>
+                </a14:m>
+                <a:r>
+                  <a:rPr lang="en-GB" sz="2200" dirty="0" smtClean="0">
+                    <a:latin typeface="Arial" panose="020B0604020202020204" pitchFamily="34" charset="0"/>
+                    <a:cs typeface="Arial" panose="020B0604020202020204" pitchFamily="34" charset="0"/>
+                  </a:rPr>
+                  <a:t>of </a:t>
+                </a:r>
+                <a:r>
+                  <a:rPr lang="en-GB" sz="2200" dirty="0">
+                    <a:latin typeface="Arial" panose="020B0604020202020204" pitchFamily="34" charset="0"/>
+                    <a:cs typeface="Arial" panose="020B0604020202020204" pitchFamily="34" charset="0"/>
+                  </a:rPr>
+                  <a:t>a well illuminated radiance </a:t>
+                </a:r>
+                <a:r>
+                  <a:rPr lang="en-GB" sz="2200" i="1" dirty="0">
+                    <a:latin typeface="Arial" panose="020B0604020202020204" pitchFamily="34" charset="0"/>
+                    <a:cs typeface="Arial" panose="020B0604020202020204" pitchFamily="34" charset="0"/>
+                  </a:rPr>
+                  <a:t>I</a:t>
+                </a:r>
+                <a:r>
+                  <a:rPr lang="en-GB" sz="2200" dirty="0">
+                    <a:latin typeface="Arial" panose="020B0604020202020204" pitchFamily="34" charset="0"/>
+                    <a:cs typeface="Arial" panose="020B0604020202020204" pitchFamily="34" charset="0"/>
+                  </a:rPr>
+                  <a:t> should tend to be 255: </a:t>
+                </a:r>
+                <a:endParaRPr lang="en-US" altLang="en-US" sz="2200" dirty="0">
+                  <a:latin typeface="Arial" panose="020B0604020202020204" pitchFamily="34" charset="0"/>
+                  <a:ea typeface="Cambria Math" panose="02040503050406030204" pitchFamily="18" charset="0"/>
+                  <a:cs typeface="Arial" panose="020B0604020202020204" pitchFamily="34" charset="0"/>
+                </a:endParaRPr>
+              </a:p>
+              <a:p>
+                <a:pPr marL="0" indent="0">
+                  <a:buNone/>
+                </a:pPr>
+                <a:endParaRPr lang="en-US" dirty="0">
+                  <a:latin typeface="Arial" panose="020B0604020202020204" pitchFamily="34" charset="0"/>
+                  <a:cs typeface="Arial" panose="020B0604020202020204" pitchFamily="34" charset="0"/>
+                </a:endParaRPr>
+              </a:p>
+              <a:p>
+                <a:pPr marL="0" indent="0">
+                  <a:buNone/>
+                </a:pPr>
+                <a:endParaRPr lang="en-GB" dirty="0">
+                  <a:latin typeface="Arial" panose="020B0604020202020204" pitchFamily="34" charset="0"/>
+                  <a:cs typeface="Arial" panose="020B0604020202020204" pitchFamily="34" charset="0"/>
+                </a:endParaRPr>
+              </a:p>
+            </p:txBody>
+          </p:sp>
+        </mc:Choice>
+        <mc:Fallback>
+          <p:sp>
+            <p:nvSpPr>
+              <p:cNvPr id="3" name="Content Placeholder 2"/>
+              <p:cNvSpPr>
+                <a:spLocks noGrp="1" noRot="1" noChangeAspect="1" noMove="1" noResize="1" noEditPoints="1" noAdjustHandles="1" noChangeArrowheads="1" noChangeShapeType="1" noTextEdit="1"/>
+              </p:cNvSpPr>
+              <p:nvPr>
+                <p:ph idx="1"/>
+              </p:nvPr>
+            </p:nvSpPr>
+            <p:spPr>
+              <a:xfrm>
+                <a:off x="680321" y="2057473"/>
+                <a:ext cx="10089280" cy="3599316"/>
+              </a:xfrm>
+              <a:blipFill rotWithShape="0">
+                <a:blip r:embed="rId2"/>
+                <a:stretch>
+                  <a:fillRect l="-785" t="-2034"/>
+                </a:stretch>
+              </a:blipFill>
+            </p:spPr>
+            <p:txBody>
+              <a:bodyPr/>
+              <a:lstStyle/>
+              <a:p>
+                <a:r>
+                  <a:rPr lang="en-GB">
+                    <a:noFill/>
+                  </a:rPr>
+                  <a:t> </a:t>
+                </a:r>
+              </a:p>
+            </p:txBody>
+          </p:sp>
+        </mc:Fallback>
+      </mc:AlternateContent>
     </p:spTree>
     <p:extLst>
       <p:ext uri="{BB962C8B-B14F-4D97-AF65-F5344CB8AC3E}">
@@ -8001,6 +8485,13 @@
   <p:clrMapOvr>
     <a:masterClrMapping/>
   </p:clrMapOvr>
+  <p:timing>
+    <p:tnLst>
+      <p:par>
+        <p:cTn id="1" dur="indefinite" restart="never" nodeType="tmRoot"/>
+      </p:par>
+    </p:tnLst>
+  </p:timing>
 </p:sld>
 </file>
 
